--- a/presentation/알고리즘 스터디 1차시.pptx
+++ b/presentation/알고리즘 스터디 1차시.pptx
@@ -119,6 +119,35 @@
     </p:ext>
   </p:extLst>
 </p:presentation>
+</file>
+
+<file path=ppt/changesInfos/changesInfo1.xml><?xml version="1.0" encoding="utf-8"?>
+<pc:chgInfo xmlns:a="http://schemas.openxmlformats.org/drawingml/2006/main" xmlns:r="http://schemas.openxmlformats.org/officeDocument/2006/relationships" xmlns:ac="http://schemas.microsoft.com/office/drawing/2013/main/command" xmlns:pc="http://schemas.microsoft.com/office/powerpoint/2013/main/command">
+  <pc:docChgLst>
+    <pc:chgData name="방지호" userId="158a471b-07bd-426c-956f-59f78212a30c" providerId="ADAL" clId="{4CF918D1-2290-4509-99D8-AA141C4C3B34}"/>
+    <pc:docChg chg="modSld">
+      <pc:chgData name="방지호" userId="158a471b-07bd-426c-956f-59f78212a30c" providerId="ADAL" clId="{4CF918D1-2290-4509-99D8-AA141C4C3B34}" dt="2022-09-01T01:30:52.783" v="1" actId="1076"/>
+      <pc:docMkLst>
+        <pc:docMk/>
+      </pc:docMkLst>
+      <pc:sldChg chg="modSp mod">
+        <pc:chgData name="방지호" userId="158a471b-07bd-426c-956f-59f78212a30c" providerId="ADAL" clId="{4CF918D1-2290-4509-99D8-AA141C4C3B34}" dt="2022-09-01T01:30:52.783" v="1" actId="1076"/>
+        <pc:sldMkLst>
+          <pc:docMk/>
+          <pc:sldMk cId="3060241897" sldId="258"/>
+        </pc:sldMkLst>
+        <pc:picChg chg="mod">
+          <ac:chgData name="방지호" userId="158a471b-07bd-426c-956f-59f78212a30c" providerId="ADAL" clId="{4CF918D1-2290-4509-99D8-AA141C4C3B34}" dt="2022-09-01T01:30:52.783" v="1" actId="1076"/>
+          <ac:picMkLst>
+            <pc:docMk/>
+            <pc:sldMk cId="3060241897" sldId="258"/>
+            <ac:picMk id="9" creationId="{74B20F8C-EF3E-44FF-8606-59457286ECD7}"/>
+          </ac:picMkLst>
+        </pc:picChg>
+      </pc:sldChg>
+    </pc:docChg>
+  </pc:docChgLst>
+</pc:chgInfo>
 </file>
 
 <file path=ppt/slideLayouts/slideLayout1.xml><?xml version="1.0" encoding="utf-8"?>
@@ -4411,7 +4440,7 @@
         </p:blipFill>
         <p:spPr>
           <a:xfrm>
-            <a:off x="866932" y="3036866"/>
+            <a:off x="866932" y="3176238"/>
             <a:ext cx="9078592" cy="476316"/>
           </a:xfrm>
           <a:prstGeom prst="rect">
